--- a/doc/ML.NET.pptx
+++ b/doc/ML.NET.pptx
@@ -1093,277 +1093,6 @@
       <dsp:cNvGrpSpPr/>
     </dsp:nvGrpSpPr>
     <dsp:grpSpPr/>
-    <dsp:sp modelId="{16A2F018-775E-4203-9056-432A35D74810}">
-      <dsp:nvSpPr>
-        <dsp:cNvPr id="0" name=""/>
-        <dsp:cNvSpPr/>
-      </dsp:nvSpPr>
-      <dsp:spPr>
-        <a:xfrm>
-          <a:off x="751403" y="0"/>
-          <a:ext cx="8515905" cy="3124200"/>
-        </a:xfrm>
-        <a:prstGeom prst="rightArrow">
-          <a:avLst/>
-        </a:prstGeom>
-        <a:solidFill>
-          <a:schemeClr val="accent1">
-            <a:tint val="40000"/>
-            <a:hueOff val="0"/>
-            <a:satOff val="0"/>
-            <a:lumOff val="0"/>
-            <a:alphaOff val="0"/>
-          </a:schemeClr>
-        </a:solidFill>
-        <a:ln>
-          <a:noFill/>
-        </a:ln>
-        <a:effectLst/>
-      </dsp:spPr>
-      <dsp:style>
-        <a:lnRef idx="0">
-          <a:scrgbClr r="0" g="0" b="0"/>
-        </a:lnRef>
-        <a:fillRef idx="1">
-          <a:scrgbClr r="0" g="0" b="0"/>
-        </a:fillRef>
-        <a:effectRef idx="0">
-          <a:scrgbClr r="0" g="0" b="0"/>
-        </a:effectRef>
-        <a:fontRef idx="minor"/>
-      </dsp:style>
-    </dsp:sp>
-    <dsp:sp modelId="{5DB2CF0B-4555-49C1-87FF-0D820812868C}">
-      <dsp:nvSpPr>
-        <dsp:cNvPr id="0" name=""/>
-        <dsp:cNvSpPr/>
-      </dsp:nvSpPr>
-      <dsp:spPr>
-        <a:xfrm>
-          <a:off x="10762" y="937260"/>
-          <a:ext cx="3224772" cy="1249680"/>
-        </a:xfrm>
-        <a:prstGeom prst="roundRect">
-          <a:avLst/>
-        </a:prstGeom>
-        <a:solidFill>
-          <a:schemeClr val="accent1">
-            <a:hueOff val="0"/>
-            <a:satOff val="0"/>
-            <a:lumOff val="0"/>
-            <a:alphaOff val="0"/>
-          </a:schemeClr>
-        </a:solidFill>
-        <a:ln w="15875" cap="rnd" cmpd="sng" algn="ctr">
-          <a:solidFill>
-            <a:schemeClr val="lt1">
-              <a:hueOff val="0"/>
-              <a:satOff val="0"/>
-              <a:lumOff val="0"/>
-              <a:alphaOff val="0"/>
-            </a:schemeClr>
-          </a:solidFill>
-          <a:prstDash val="solid"/>
-        </a:ln>
-        <a:effectLst/>
-      </dsp:spPr>
-      <dsp:style>
-        <a:lnRef idx="2">
-          <a:scrgbClr r="0" g="0" b="0"/>
-        </a:lnRef>
-        <a:fillRef idx="1">
-          <a:scrgbClr r="0" g="0" b="0"/>
-        </a:fillRef>
-        <a:effectRef idx="0">
-          <a:scrgbClr r="0" g="0" b="0"/>
-        </a:effectRef>
-        <a:fontRef idx="minor">
-          <a:schemeClr val="lt1"/>
-        </a:fontRef>
-      </dsp:style>
-      <dsp:txBody>
-        <a:bodyPr spcFirstLastPara="0" vert="horz" wrap="square" lIns="102870" tIns="102870" rIns="102870" bIns="102870" numCol="1" spcCol="1270" anchor="ctr" anchorCtr="0">
-          <a:noAutofit/>
-        </a:bodyPr>
-        <a:lstStyle/>
-        <a:p>
-          <a:pPr lvl="0" algn="ctr" defTabSz="1200150">
-            <a:lnSpc>
-              <a:spcPct val="90000"/>
-            </a:lnSpc>
-            <a:spcBef>
-              <a:spcPct val="0"/>
-            </a:spcBef>
-            <a:spcAft>
-              <a:spcPct val="35000"/>
-            </a:spcAft>
-          </a:pPr>
-          <a:r>
-            <a:rPr lang="de-DE" sz="2700" kern="1200" dirty="0" smtClean="0"/>
-            <a:t>Trainingsdaten erzeugen das</a:t>
-          </a:r>
-          <a:endParaRPr lang="de-DE" sz="2700" kern="1200" dirty="0"/>
-        </a:p>
-      </dsp:txBody>
-      <dsp:txXfrm>
-        <a:off x="71766" y="998264"/>
-        <a:ext cx="3102764" cy="1127672"/>
-      </dsp:txXfrm>
-    </dsp:sp>
-    <dsp:sp modelId="{D43EB526-E563-4C98-8519-1E105362CA32}">
-      <dsp:nvSpPr>
-        <dsp:cNvPr id="0" name=""/>
-        <dsp:cNvSpPr/>
-      </dsp:nvSpPr>
-      <dsp:spPr>
-        <a:xfrm>
-          <a:off x="3396969" y="937260"/>
-          <a:ext cx="3224772" cy="1249680"/>
-        </a:xfrm>
-        <a:prstGeom prst="roundRect">
-          <a:avLst/>
-        </a:prstGeom>
-        <a:solidFill>
-          <a:schemeClr val="accent1">
-            <a:hueOff val="0"/>
-            <a:satOff val="0"/>
-            <a:lumOff val="0"/>
-            <a:alphaOff val="0"/>
-          </a:schemeClr>
-        </a:solidFill>
-        <a:ln w="15875" cap="rnd" cmpd="sng" algn="ctr">
-          <a:solidFill>
-            <a:schemeClr val="lt1">
-              <a:hueOff val="0"/>
-              <a:satOff val="0"/>
-              <a:lumOff val="0"/>
-              <a:alphaOff val="0"/>
-            </a:schemeClr>
-          </a:solidFill>
-          <a:prstDash val="solid"/>
-        </a:ln>
-        <a:effectLst/>
-      </dsp:spPr>
-      <dsp:style>
-        <a:lnRef idx="2">
-          <a:scrgbClr r="0" g="0" b="0"/>
-        </a:lnRef>
-        <a:fillRef idx="1">
-          <a:scrgbClr r="0" g="0" b="0"/>
-        </a:fillRef>
-        <a:effectRef idx="0">
-          <a:scrgbClr r="0" g="0" b="0"/>
-        </a:effectRef>
-        <a:fontRef idx="minor">
-          <a:schemeClr val="lt1"/>
-        </a:fontRef>
-      </dsp:style>
-      <dsp:txBody>
-        <a:bodyPr spcFirstLastPara="0" vert="horz" wrap="square" lIns="102870" tIns="102870" rIns="102870" bIns="102870" numCol="1" spcCol="1270" anchor="ctr" anchorCtr="0">
-          <a:noAutofit/>
-        </a:bodyPr>
-        <a:lstStyle/>
-        <a:p>
-          <a:pPr lvl="0" algn="ctr" defTabSz="1200150">
-            <a:lnSpc>
-              <a:spcPct val="90000"/>
-            </a:lnSpc>
-            <a:spcBef>
-              <a:spcPct val="0"/>
-            </a:spcBef>
-            <a:spcAft>
-              <a:spcPct val="35000"/>
-            </a:spcAft>
-          </a:pPr>
-          <a:r>
-            <a:rPr lang="de-DE" sz="2700" kern="1200" dirty="0" smtClean="0"/>
-            <a:t>Datenmodell, die ermöglicht</a:t>
-          </a:r>
-          <a:endParaRPr lang="de-DE" sz="2700" kern="1200" dirty="0"/>
-        </a:p>
-      </dsp:txBody>
-      <dsp:txXfrm>
-        <a:off x="3457973" y="998264"/>
-        <a:ext cx="3102764" cy="1127672"/>
-      </dsp:txXfrm>
-    </dsp:sp>
-    <dsp:sp modelId="{D1077FA7-D952-407D-87DE-13063F52774F}">
-      <dsp:nvSpPr>
-        <dsp:cNvPr id="0" name=""/>
-        <dsp:cNvSpPr/>
-      </dsp:nvSpPr>
-      <dsp:spPr>
-        <a:xfrm>
-          <a:off x="6783176" y="937260"/>
-          <a:ext cx="3224772" cy="1249680"/>
-        </a:xfrm>
-        <a:prstGeom prst="roundRect">
-          <a:avLst/>
-        </a:prstGeom>
-        <a:solidFill>
-          <a:schemeClr val="accent1">
-            <a:hueOff val="0"/>
-            <a:satOff val="0"/>
-            <a:lumOff val="0"/>
-            <a:alphaOff val="0"/>
-          </a:schemeClr>
-        </a:solidFill>
-        <a:ln w="15875" cap="rnd" cmpd="sng" algn="ctr">
-          <a:solidFill>
-            <a:schemeClr val="lt1">
-              <a:hueOff val="0"/>
-              <a:satOff val="0"/>
-              <a:lumOff val="0"/>
-              <a:alphaOff val="0"/>
-            </a:schemeClr>
-          </a:solidFill>
-          <a:prstDash val="solid"/>
-        </a:ln>
-        <a:effectLst/>
-      </dsp:spPr>
-      <dsp:style>
-        <a:lnRef idx="2">
-          <a:scrgbClr r="0" g="0" b="0"/>
-        </a:lnRef>
-        <a:fillRef idx="1">
-          <a:scrgbClr r="0" g="0" b="0"/>
-        </a:fillRef>
-        <a:effectRef idx="0">
-          <a:scrgbClr r="0" g="0" b="0"/>
-        </a:effectRef>
-        <a:fontRef idx="minor">
-          <a:schemeClr val="lt1"/>
-        </a:fontRef>
-      </dsp:style>
-      <dsp:txBody>
-        <a:bodyPr spcFirstLastPara="0" vert="horz" wrap="square" lIns="102870" tIns="102870" rIns="102870" bIns="102870" numCol="1" spcCol="1270" anchor="ctr" anchorCtr="0">
-          <a:noAutofit/>
-        </a:bodyPr>
-        <a:lstStyle/>
-        <a:p>
-          <a:pPr lvl="0" algn="ctr" defTabSz="1200150">
-            <a:lnSpc>
-              <a:spcPct val="90000"/>
-            </a:lnSpc>
-            <a:spcBef>
-              <a:spcPct val="0"/>
-            </a:spcBef>
-            <a:spcAft>
-              <a:spcPct val="35000"/>
-            </a:spcAft>
-          </a:pPr>
-          <a:r>
-            <a:rPr lang="de-DE" sz="2700" kern="1200" dirty="0" smtClean="0"/>
-            <a:t>Vorhersagekraft mit ähnlichen Daten</a:t>
-          </a:r>
-          <a:endParaRPr lang="de-DE" sz="2700" kern="1200" dirty="0"/>
-        </a:p>
-      </dsp:txBody>
-      <dsp:txXfrm>
-        <a:off x="6844180" y="998264"/>
-        <a:ext cx="3102764" cy="1127672"/>
-      </dsp:txXfrm>
-    </dsp:sp>
   </dsp:spTree>
 </dsp:drawing>
 </file>
@@ -8752,7 +8481,6 @@
               <a:rPr lang="de-DE" dirty="0" smtClean="0"/>
               <a:t>Bei seed.txt ist dies col1</a:t>
             </a:r>
-            <a:endParaRPr lang="de-DE" dirty="0" smtClean="0"/>
           </a:p>
           <a:p>
             <a:r>
@@ -8765,7 +8493,6 @@
               <a:rPr lang="de-DE" dirty="0" smtClean="0"/>
               <a:t>VS erzeugt Code, um das Modell zu konsumieren.</a:t>
             </a:r>
-            <a:endParaRPr lang="de-DE" dirty="0" smtClean="0"/>
           </a:p>
         </p:txBody>
       </p:sp>
@@ -8892,7 +8619,7 @@
         <p:spPr/>
         <p:txBody>
           <a:bodyPr>
-            <a:normAutofit fontScale="92500" lnSpcReduction="20000"/>
+            <a:normAutofit fontScale="85000" lnSpcReduction="10000"/>
           </a:bodyPr>
           <a:lstStyle/>
           <a:p>
@@ -8928,8 +8655,25 @@
             </a:r>
             <a:r>
               <a:rPr lang="de-DE" dirty="0" smtClean="0"/>
-              <a:t> wurde das ganze aber programmatisch umgesetzt.</a:t>
-            </a:r>
+              <a:t> wurde das ganze aber programmatisch </a:t>
+            </a:r>
+            <a:r>
+              <a:rPr lang="de-DE" dirty="0" smtClean="0"/>
+              <a:t>umgesetzt und die ML-Methode „</a:t>
+            </a:r>
+            <a:r>
+              <a:rPr lang="de-DE" dirty="0" err="1" smtClean="0"/>
+              <a:t>LbfgsLogisticRegression</a:t>
+            </a:r>
+            <a:r>
+              <a:rPr lang="de-DE" dirty="0" smtClean="0"/>
+              <a:t>“ </a:t>
+            </a:r>
+            <a:r>
+              <a:rPr lang="de-DE" smtClean="0"/>
+              <a:t>ebenso entwickelt</a:t>
+            </a:r>
+            <a:endParaRPr lang="de-DE" dirty="0" smtClean="0"/>
           </a:p>
           <a:p>
             <a:r>
@@ -9238,19 +8982,7 @@
           <a:p>
             <a:r>
               <a:rPr lang="de-DE" dirty="0" smtClean="0"/>
-              <a:t>In diesem Buch </a:t>
-            </a:r>
-            <a:r>
-              <a:rPr lang="de-DE" dirty="0" smtClean="0"/>
-              <a:t>sind die Begriffe, die Grenzen bzw. </a:t>
-            </a:r>
-            <a:r>
-              <a:rPr lang="de-DE" dirty="0" smtClean="0"/>
-              <a:t>die Geschichte der KI gut aufge</a:t>
-            </a:r>
-            <a:r>
-              <a:rPr lang="de-DE" dirty="0" smtClean="0"/>
-              <a:t>führt.</a:t>
+              <a:t>In diesem Buch sind die Begriffe, die Grenzen bzw. die Geschichte der KI gut aufgeführt.</a:t>
             </a:r>
           </a:p>
           <a:p>
@@ -9411,7 +9143,6 @@
               <a:rPr lang="de-DE" dirty="0" smtClean="0"/>
               <a:t>Später werden wir sehen, wie ML.NET eine passende Methode aussucht.</a:t>
             </a:r>
-            <a:endParaRPr lang="de-DE" dirty="0" smtClean="0"/>
           </a:p>
           <a:p>
             <a:r>
@@ -9436,7 +9167,6 @@
               <a:rPr lang="de-DE" dirty="0" smtClean="0"/>
               <a:t>D.h. jedes Modell ist auf einem Gebiet eingeschränkt .</a:t>
             </a:r>
-            <a:endParaRPr lang="de-DE" dirty="0" smtClean="0"/>
           </a:p>
         </p:txBody>
       </p:sp>
@@ -9579,11 +9309,7 @@
           <a:p>
             <a:r>
               <a:rPr lang="de-DE" dirty="0" smtClean="0"/>
-              <a:t>Daten </a:t>
-            </a:r>
-            <a:r>
-              <a:rPr lang="de-DE" dirty="0" smtClean="0"/>
-              <a:t>sammeln</a:t>
+              <a:t>Daten sammeln</a:t>
             </a:r>
             <a:endParaRPr lang="de-DE" dirty="0"/>
           </a:p>
@@ -9620,17 +9346,8 @@
             <a:pPr lvl="1"/>
             <a:r>
               <a:rPr lang="de-DE" dirty="0" smtClean="0"/>
-              <a:t>braucht man Daten, um das Modell sowohl trainieren als auch testen zu </a:t>
-            </a:r>
-            <a:r>
-              <a:rPr lang="de-DE" dirty="0" smtClean="0"/>
-              <a:t>können</a:t>
-            </a:r>
-            <a:r>
-              <a:rPr lang="de-DE" dirty="0" smtClean="0"/>
-              <a:t>.</a:t>
-            </a:r>
-            <a:endParaRPr lang="de-DE" dirty="0" smtClean="0"/>
+              <a:t>braucht man Daten, um das Modell sowohl trainieren als auch testen zu können.</a:t>
+            </a:r>
           </a:p>
           <a:p>
             <a:r>
@@ -9647,7 +9364,6 @@
               <a:rPr lang="de-DE" dirty="0" smtClean="0"/>
               <a:t> eines Restaurants. </a:t>
             </a:r>
-            <a:endParaRPr lang="de-DE" dirty="0" smtClean="0"/>
           </a:p>
           <a:p>
             <a:r>
@@ -9674,11 +9390,7 @@
             </a:r>
             <a:r>
               <a:rPr lang="de-DE" dirty="0" smtClean="0"/>
-              <a:t> heißt</a:t>
-            </a:r>
-            <a:r>
-              <a:rPr lang="de-DE" dirty="0" smtClean="0"/>
-              <a:t>, dass echte Menschen diesen Zusammenhang konkret beschriftet haben.</a:t>
+              <a:t> heißt, dass echte Menschen diesen Zusammenhang konkret beschriftet haben.</a:t>
             </a:r>
           </a:p>
           <a:p>
@@ -9817,7 +9529,6 @@
               <a:rPr lang="de-DE" dirty="0" smtClean="0"/>
               <a:t>ein Modell umgesetzt mit dieser Methode</a:t>
             </a:r>
-            <a:endParaRPr lang="de-DE" dirty="0" smtClean="0"/>
           </a:p>
           <a:p>
             <a:r>
